--- a/Krishna Gelra - Air BNB Hotel Booking Analysis Project PPT.pptx
+++ b/Krishna Gelra - Air BNB Hotel Booking Analysis Project PPT.pptx
@@ -22150,8 +22150,8 @@
         </p:nvSpPr>
         <p:spPr>
           <a:xfrm>
-            <a:off x="432000" y="647700"/>
-            <a:ext cx="11340000" cy="700114"/>
+            <a:off x="426000" y="2774138"/>
+            <a:ext cx="11340000" cy="700200"/>
           </a:xfrm>
           <a:prstGeom prst="rect">
             <a:avLst/>
